--- a/Employee Onboarding System.pptx
+++ b/Employee Onboarding System.pptx
@@ -242,7 +242,7 @@
           <a:p>
             <a:fld id="{8CD26A2A-0A96-0647-84E5-C82F2EFD9474}" type="datetimeFigureOut">
               <a:rPr lang="en-US" smtClean="0"/>
-              <a:t>4/20/2024</a:t>
+              <a:t>4/22/2024</a:t>
             </a:fld>
             <a:endParaRPr lang="en-US" dirty="0"/>
           </a:p>
@@ -507,7 +507,7 @@
           <a:p>
             <a:fld id="{D458D246-FB21-4ACB-9068-6447CC7872F8}" type="datetimeFigureOut">
               <a:rPr lang="en-US" smtClean="0"/>
-              <a:t>4/20/2024</a:t>
+              <a:t>4/22/2024</a:t>
             </a:fld>
             <a:endParaRPr lang="en-US"/>
           </a:p>
@@ -23810,6 +23810,60 @@
               <a:ea typeface="+mn-ea"/>
               <a:cs typeface="+mn-cs"/>
             </a:endParaRPr>
+          </a:p>
+        </p:txBody>
+      </p:sp>
+      <p:sp>
+        <p:nvSpPr>
+          <p:cNvPr id="2" name="TextBox 1">
+            <a:extLst>
+              <a:ext uri="{FF2B5EF4-FFF2-40B4-BE49-F238E27FC236}">
+                <a16:creationId xmlns:a16="http://schemas.microsoft.com/office/drawing/2014/main" id="{B2CAA0F9-F58A-630F-E6DD-73F8CCCD5CA4}"/>
+              </a:ext>
+            </a:extLst>
+          </p:cNvPr>
+          <p:cNvSpPr txBox="1"/>
+          <p:nvPr/>
+        </p:nvSpPr>
+        <p:spPr>
+          <a:xfrm>
+            <a:off x="3646884" y="5311218"/>
+            <a:ext cx="3965510" cy="369332"/>
+          </a:xfrm>
+          <a:prstGeom prst="rect">
+            <a:avLst/>
+          </a:prstGeom>
+        </p:spPr>
+        <p:txBody>
+          <a:bodyPr wrap="square" rtlCol="0">
+            <a:spAutoFit/>
+          </a:bodyPr>
+          <a:lstStyle/>
+          <a:p>
+            <a:pPr marL="0" indent="0" algn="ctr">
+              <a:lnSpc>
+                <a:spcPct val="100000"/>
+              </a:lnSpc>
+              <a:spcBef>
+                <a:spcPts val="0"/>
+              </a:spcBef>
+              <a:buFontTx/>
+              <a:buNone/>
+            </a:pPr>
+            <a:r>
+              <a:rPr lang="en-IN" sz="1800" dirty="0">
+                <a:solidFill>
+                  <a:schemeClr val="tx1">
+                    <a:lumMod val="95000"/>
+                    <a:lumOff val="5000"/>
+                  </a:schemeClr>
+                </a:solidFill>
+                <a:latin typeface="Times New Roman" panose="02020603050405020304" pitchFamily="18" charset="0"/>
+                <a:ea typeface="微软雅黑"/>
+                <a:cs typeface="Times New Roman" panose="02020603050405020304" pitchFamily="18" charset="0"/>
+              </a:rPr>
+              <a:t>~ JNN INSTITUTE OF ENGINEERING </a:t>
+            </a:r>
           </a:p>
         </p:txBody>
       </p:sp>
@@ -28947,12 +29001,23 @@
 </file>
 
 <file path=customXml/item1.xml><?xml version="1.0" encoding="utf-8"?>
-<?mso-contentType ?>
-<FormTemplates xmlns="http://schemas.microsoft.com/sharepoint/v3/contenttype/forms">
-  <Display>DocumentLibraryForm</Display>
-  <Edit>DocumentLibraryForm</Edit>
-  <New>DocumentLibraryForm</New>
-</FormTemplates>
+<p:properties xmlns:p="http://schemas.microsoft.com/office/2006/metadata/properties" xmlns:xsi="http://www.w3.org/2001/XMLSchema-instance" xmlns:pc="http://schemas.microsoft.com/office/infopath/2007/PartnerControls">
+  <documentManagement>
+    <_ip_UnifiedCompliancePolicyUIAction xmlns="http://schemas.microsoft.com/sharepoint/v3" xsi:nil="true"/>
+    <Image xmlns="71af3243-3dd4-4a8d-8c0d-dd76da1f02a5">
+      <Url xsi:nil="true"/>
+      <Description xsi:nil="true"/>
+    </Image>
+    <Status xmlns="71af3243-3dd4-4a8d-8c0d-dd76da1f02a5">Not started</Status>
+    <Background xmlns="71af3243-3dd4-4a8d-8c0d-dd76da1f02a5">false</Background>
+    <_ip_UnifiedCompliancePolicyProperties xmlns="http://schemas.microsoft.com/sharepoint/v3" xsi:nil="true"/>
+    <ImageTagsTaxHTField xmlns="71af3243-3dd4-4a8d-8c0d-dd76da1f02a5">
+      <Terms xmlns="http://schemas.microsoft.com/office/infopath/2007/PartnerControls"/>
+    </ImageTagsTaxHTField>
+    <TaxCatchAll xmlns="230e9df3-be65-4c73-a93b-d1236ebd677e" xsi:nil="true"/>
+    <MediaServiceKeyPoints xmlns="71af3243-3dd4-4a8d-8c0d-dd76da1f02a5" xsi:nil="true"/>
+  </documentManagement>
+</p:properties>
 </file>
 
 <file path=customXml/item2.xml><?xml version="1.0" encoding="utf-8"?>
@@ -29268,29 +29333,22 @@
 </file>
 
 <file path=customXml/item3.xml><?xml version="1.0" encoding="utf-8"?>
-<p:properties xmlns:p="http://schemas.microsoft.com/office/2006/metadata/properties" xmlns:xsi="http://www.w3.org/2001/XMLSchema-instance" xmlns:pc="http://schemas.microsoft.com/office/infopath/2007/PartnerControls">
-  <documentManagement>
-    <_ip_UnifiedCompliancePolicyUIAction xmlns="http://schemas.microsoft.com/sharepoint/v3" xsi:nil="true"/>
-    <Image xmlns="71af3243-3dd4-4a8d-8c0d-dd76da1f02a5">
-      <Url xsi:nil="true"/>
-      <Description xsi:nil="true"/>
-    </Image>
-    <Status xmlns="71af3243-3dd4-4a8d-8c0d-dd76da1f02a5">Not started</Status>
-    <Background xmlns="71af3243-3dd4-4a8d-8c0d-dd76da1f02a5">false</Background>
-    <_ip_UnifiedCompliancePolicyProperties xmlns="http://schemas.microsoft.com/sharepoint/v3" xsi:nil="true"/>
-    <ImageTagsTaxHTField xmlns="71af3243-3dd4-4a8d-8c0d-dd76da1f02a5">
-      <Terms xmlns="http://schemas.microsoft.com/office/infopath/2007/PartnerControls"/>
-    </ImageTagsTaxHTField>
-    <TaxCatchAll xmlns="230e9df3-be65-4c73-a93b-d1236ebd677e" xsi:nil="true"/>
-    <MediaServiceKeyPoints xmlns="71af3243-3dd4-4a8d-8c0d-dd76da1f02a5" xsi:nil="true"/>
-  </documentManagement>
-</p:properties>
+<?mso-contentType ?>
+<FormTemplates xmlns="http://schemas.microsoft.com/sharepoint/v3/contenttype/forms">
+  <Display>DocumentLibraryForm</Display>
+  <Edit>DocumentLibraryForm</Edit>
+  <New>DocumentLibraryForm</New>
+</FormTemplates>
 </file>
 
 <file path=customXml/itemProps1.xml><?xml version="1.0" encoding="utf-8"?>
-<ds:datastoreItem xmlns:ds="http://schemas.openxmlformats.org/officeDocument/2006/customXml" ds:itemID="{45515263-A3DE-4193-B6AA-5C449C94519F}">
+<ds:datastoreItem xmlns:ds="http://schemas.openxmlformats.org/officeDocument/2006/customXml" ds:itemID="{A0AD9BE2-6B3D-4616-B044-300A8177DEA5}">
   <ds:schemaRefs>
-    <ds:schemaRef ds:uri="http://schemas.microsoft.com/sharepoint/v3/contenttype/forms"/>
+    <ds:schemaRef ds:uri="http://schemas.microsoft.com/office/2006/metadata/properties"/>
+    <ds:schemaRef ds:uri="http://schemas.microsoft.com/office/infopath/2007/PartnerControls"/>
+    <ds:schemaRef ds:uri="http://schemas.microsoft.com/sharepoint/v3"/>
+    <ds:schemaRef ds:uri="71af3243-3dd4-4a8d-8c0d-dd76da1f02a5"/>
+    <ds:schemaRef ds:uri="230e9df3-be65-4c73-a93b-d1236ebd677e"/>
   </ds:schemaRefs>
 </ds:datastoreItem>
 </file>
@@ -29317,13 +29375,9 @@
 </file>
 
 <file path=customXml/itemProps3.xml><?xml version="1.0" encoding="utf-8"?>
-<ds:datastoreItem xmlns:ds="http://schemas.openxmlformats.org/officeDocument/2006/customXml" ds:itemID="{A0AD9BE2-6B3D-4616-B044-300A8177DEA5}">
+<ds:datastoreItem xmlns:ds="http://schemas.openxmlformats.org/officeDocument/2006/customXml" ds:itemID="{45515263-A3DE-4193-B6AA-5C449C94519F}">
   <ds:schemaRefs>
-    <ds:schemaRef ds:uri="http://schemas.microsoft.com/office/2006/metadata/properties"/>
-    <ds:schemaRef ds:uri="http://schemas.microsoft.com/office/infopath/2007/PartnerControls"/>
-    <ds:schemaRef ds:uri="http://schemas.microsoft.com/sharepoint/v3"/>
-    <ds:schemaRef ds:uri="71af3243-3dd4-4a8d-8c0d-dd76da1f02a5"/>
-    <ds:schemaRef ds:uri="230e9df3-be65-4c73-a93b-d1236ebd677e"/>
+    <ds:schemaRef ds:uri="http://schemas.microsoft.com/sharepoint/v3/contenttype/forms"/>
   </ds:schemaRefs>
 </ds:datastoreItem>
 </file>
